--- a/Safe Street 29-03.pptx
+++ b/Safe Street 29-03.pptx
@@ -11,6 +11,10 @@
     <p:sldId id="260" r:id="rId5"/>
     <p:sldId id="259" r:id="rId6"/>
     <p:sldId id="261" r:id="rId7"/>
+    <p:sldId id="262" r:id="rId8"/>
+    <p:sldId id="263" r:id="rId9"/>
+    <p:sldId id="265" r:id="rId10"/>
+    <p:sldId id="264" r:id="rId11"/>
   </p:sldIdLst>
   <p:sldSz cx="12192000" cy="6858000"/>
   <p:notesSz cx="6858000" cy="9144000"/>
@@ -111,7 +115,7 @@
   </p:defaultTextStyle>
   <p:extLst>
     <p:ext uri="{EFAFB233-063F-42B5-8137-9DF3F51BA10A}">
-      <p15:sldGuideLst xmlns:p15="http://schemas.microsoft.com/office/powerpoint/2012/main"/>
+      <p15:sldGuideLst xmlns:p15="http://schemas.microsoft.com/office/powerpoint/2012/main" xmlns=""/>
     </p:ext>
   </p:extLst>
 </p:presentation>
@@ -343,7 +347,7 @@
           <a:p>
             <a:fld id="{96DFF08F-DC6B-4601-B491-B0F83F6DD2DA}" type="datetimeFigureOut">
               <a:rPr lang="en-US" dirty="0"/>
-              <a:t>3/28/2017</a:t>
+              <a:t>3/29/2017</a:t>
             </a:fld>
             <a:endParaRPr lang="en-US" dirty="0"/>
           </a:p>
@@ -546,7 +550,7 @@
           <a:p>
             <a:fld id="{96DFF08F-DC6B-4601-B491-B0F83F6DD2DA}" type="datetimeFigureOut">
               <a:rPr lang="en-US" dirty="0"/>
-              <a:t>3/28/2017</a:t>
+              <a:t>3/29/2017</a:t>
             </a:fld>
             <a:endParaRPr lang="en-US" dirty="0"/>
           </a:p>
@@ -797,7 +801,7 @@
           <a:p>
             <a:fld id="{96DFF08F-DC6B-4601-B491-B0F83F6DD2DA}" type="datetimeFigureOut">
               <a:rPr lang="en-US" dirty="0"/>
-              <a:t>3/28/2017</a:t>
+              <a:t>3/29/2017</a:t>
             </a:fld>
             <a:endParaRPr lang="en-US" dirty="0"/>
           </a:p>
@@ -962,7 +966,7 @@
           <a:p>
             <a:fld id="{D62CEF3B-A037-46D0-B02C-1428F07E9383}" type="datetimeFigureOut">
               <a:rPr lang="en-US" dirty="0"/>
-              <a:t>3/28/2017</a:t>
+              <a:t>3/29/2017</a:t>
             </a:fld>
             <a:endParaRPr lang="en-US" dirty="0"/>
           </a:p>
@@ -1300,7 +1304,7 @@
           <a:p>
             <a:fld id="{96DFF08F-DC6B-4601-B491-B0F83F6DD2DA}" type="datetimeFigureOut">
               <a:rPr lang="en-US" dirty="0"/>
-              <a:t>3/28/2017</a:t>
+              <a:t>3/29/2017</a:t>
             </a:fld>
             <a:endParaRPr lang="en-US" dirty="0"/>
           </a:p>
@@ -1570,7 +1574,7 @@
           <a:p>
             <a:fld id="{96DFF08F-DC6B-4601-B491-B0F83F6DD2DA}" type="datetimeFigureOut">
               <a:rPr lang="en-US" dirty="0"/>
-              <a:t>3/28/2017</a:t>
+              <a:t>3/29/2017</a:t>
             </a:fld>
             <a:endParaRPr lang="en-US" dirty="0"/>
           </a:p>
@@ -1944,7 +1948,7 @@
           <a:p>
             <a:fld id="{96DFF08F-DC6B-4601-B491-B0F83F6DD2DA}" type="datetimeFigureOut">
               <a:rPr lang="en-US" dirty="0"/>
-              <a:t>3/28/2017</a:t>
+              <a:t>3/29/2017</a:t>
             </a:fld>
             <a:endParaRPr lang="en-US" dirty="0"/>
           </a:p>
@@ -2057,7 +2061,7 @@
           <a:p>
             <a:fld id="{96DFF08F-DC6B-4601-B491-B0F83F6DD2DA}" type="datetimeFigureOut">
               <a:rPr lang="en-US" dirty="0"/>
-              <a:t>3/28/2017</a:t>
+              <a:t>3/29/2017</a:t>
             </a:fld>
             <a:endParaRPr lang="en-US" dirty="0"/>
           </a:p>
@@ -2224,7 +2228,7 @@
             <a:fld id="{96DFF08F-DC6B-4601-B491-B0F83F6DD2DA}" type="datetimeFigureOut">
               <a:rPr lang="en-US" dirty="0"/>
               <a:pPr/>
-              <a:t>3/28/2017</a:t>
+              <a:t>3/29/2017</a:t>
             </a:fld>
             <a:endParaRPr lang="en-US" dirty="0"/>
           </a:p>
@@ -2575,7 +2579,7 @@
             <a:fld id="{96DFF08F-DC6B-4601-B491-B0F83F6DD2DA}" type="datetimeFigureOut">
               <a:rPr lang="en-US" dirty="0"/>
               <a:pPr/>
-              <a:t>3/28/2017</a:t>
+              <a:t>3/29/2017</a:t>
             </a:fld>
             <a:endParaRPr lang="en-US" dirty="0"/>
           </a:p>
@@ -2948,7 +2952,7 @@
           <a:p>
             <a:fld id="{96DFF08F-DC6B-4601-B491-B0F83F6DD2DA}" type="datetimeFigureOut">
               <a:rPr lang="en-US" dirty="0"/>
-              <a:t>3/28/2017</a:t>
+              <a:t>3/29/2017</a:t>
             </a:fld>
             <a:endParaRPr lang="en-US" dirty="0"/>
           </a:p>
@@ -3231,7 +3235,7 @@
             <a:fld id="{96DFF08F-DC6B-4601-B491-B0F83F6DD2DA}" type="datetimeFigureOut">
               <a:rPr lang="en-US" dirty="0"/>
               <a:pPr/>
-              <a:t>3/28/2017</a:t>
+              <a:t>3/29/2017</a:t>
             </a:fld>
             <a:endParaRPr lang="en-US" dirty="0"/>
           </a:p>
@@ -3795,6 +3799,36 @@
           </a:p>
         </p:txBody>
       </p:sp>
+      <p:pic>
+        <p:nvPicPr>
+          <p:cNvPr id="4" name="Imagem 3"/>
+          <p:cNvPicPr>
+            <a:picLocks noChangeAspect="1"/>
+          </p:cNvPicPr>
+          <p:nvPr/>
+        </p:nvPicPr>
+        <p:blipFill>
+          <a:blip r:embed="rId2">
+            <a:extLst>
+              <a:ext uri="{28A0092B-C50C-407E-A947-70E740481C1C}">
+                <a14:useLocalDpi xmlns:a14="http://schemas.microsoft.com/office/drawing/2010/main" val="0"/>
+              </a:ext>
+            </a:extLst>
+          </a:blip>
+          <a:stretch>
+            <a:fillRect/>
+          </a:stretch>
+        </p:blipFill>
+        <p:spPr>
+          <a:xfrm>
+            <a:off x="10463513" y="34725"/>
+            <a:ext cx="1693762" cy="1680529"/>
+          </a:xfrm>
+          <a:prstGeom prst="rect">
+            <a:avLst/>
+          </a:prstGeom>
+        </p:spPr>
+      </p:pic>
     </p:spTree>
     <p:extLst>
       <p:ext uri="{BB962C8B-B14F-4D97-AF65-F5344CB8AC3E}">
@@ -3805,6 +3839,125 @@
   <p:clrMapOvr>
     <a:masterClrMapping/>
   </p:clrMapOvr>
+  <p:timing>
+    <p:tnLst>
+      <p:par>
+        <p:cTn id="1" dur="indefinite" restart="never" nodeType="tmRoot"/>
+      </p:par>
+    </p:tnLst>
+  </p:timing>
+</p:sld>
+</file>
+
+<file path=ppt/slides/slide10.xml><?xml version="1.0" encoding="utf-8"?>
+<p:sld xmlns:a="http://schemas.openxmlformats.org/drawingml/2006/main" xmlns:r="http://schemas.openxmlformats.org/officeDocument/2006/relationships" xmlns:p="http://schemas.openxmlformats.org/presentationml/2006/main">
+  <p:cSld>
+    <p:spTree>
+      <p:nvGrpSpPr>
+        <p:cNvPr id="1" name=""/>
+        <p:cNvGrpSpPr/>
+        <p:nvPr/>
+      </p:nvGrpSpPr>
+      <p:grpSpPr>
+        <a:xfrm>
+          <a:off x="0" y="0"/>
+          <a:ext cx="0" cy="0"/>
+          <a:chOff x="0" y="0"/>
+          <a:chExt cx="0" cy="0"/>
+        </a:xfrm>
+      </p:grpSpPr>
+      <p:sp>
+        <p:nvSpPr>
+          <p:cNvPr id="4" name="Retângulo 3"/>
+          <p:cNvSpPr/>
+          <p:nvPr/>
+        </p:nvSpPr>
+        <p:spPr>
+          <a:xfrm>
+            <a:off x="589935" y="1297858"/>
+            <a:ext cx="10772222" cy="1106129"/>
+          </a:xfrm>
+          <a:prstGeom prst="rect">
+            <a:avLst/>
+          </a:prstGeom>
+          <a:solidFill>
+            <a:schemeClr val="bg1"/>
+          </a:solidFill>
+          <a:ln>
+            <a:noFill/>
+          </a:ln>
+        </p:spPr>
+        <p:style>
+          <a:lnRef idx="2">
+            <a:schemeClr val="accent1">
+              <a:shade val="50000"/>
+            </a:schemeClr>
+          </a:lnRef>
+          <a:fillRef idx="1">
+            <a:schemeClr val="accent1"/>
+          </a:fillRef>
+          <a:effectRef idx="0">
+            <a:schemeClr val="accent1"/>
+          </a:effectRef>
+          <a:fontRef idx="minor">
+            <a:schemeClr val="lt1"/>
+          </a:fontRef>
+        </p:style>
+        <p:txBody>
+          <a:bodyPr rtlCol="0" anchor="ctr"/>
+          <a:lstStyle/>
+          <a:p>
+            <a:pPr algn="ctr"/>
+            <a:endParaRPr lang="pt-BR"/>
+          </a:p>
+        </p:txBody>
+      </p:sp>
+      <p:pic>
+        <p:nvPicPr>
+          <p:cNvPr id="5" name="Espaço Reservado para Conteúdo 4"/>
+          <p:cNvPicPr>
+            <a:picLocks noGrp="1" noChangeAspect="1"/>
+          </p:cNvPicPr>
+          <p:nvPr>
+            <p:ph idx="1"/>
+          </p:nvPr>
+        </p:nvPicPr>
+        <p:blipFill>
+          <a:blip r:embed="rId2">
+            <a:extLst>
+              <a:ext uri="{28A0092B-C50C-407E-A947-70E740481C1C}">
+                <a14:useLocalDpi xmlns:a14="http://schemas.microsoft.com/office/drawing/2010/main" val="0"/>
+              </a:ext>
+            </a:extLst>
+          </a:blip>
+          <a:stretch>
+            <a:fillRect/>
+          </a:stretch>
+        </p:blipFill>
+        <p:spPr>
+          <a:xfrm>
+            <a:off x="20942" y="928844"/>
+            <a:ext cx="12124758" cy="4940145"/>
+          </a:xfrm>
+        </p:spPr>
+      </p:pic>
+    </p:spTree>
+    <p:extLst>
+      <p:ext uri="{BB962C8B-B14F-4D97-AF65-F5344CB8AC3E}">
+        <p14:creationId xmlns:p14="http://schemas.microsoft.com/office/powerpoint/2010/main" val="4104022874"/>
+      </p:ext>
+    </p:extLst>
+  </p:cSld>
+  <p:clrMapOvr>
+    <a:masterClrMapping/>
+  </p:clrMapOvr>
+  <p:timing>
+    <p:tnLst>
+      <p:par>
+        <p:cTn id="1" dur="indefinite" restart="never" nodeType="tmRoot"/>
+      </p:par>
+    </p:tnLst>
+  </p:timing>
 </p:sld>
 </file>
 
@@ -3910,6 +4063,36 @@
           </a:p>
         </p:txBody>
       </p:sp>
+      <p:pic>
+        <p:nvPicPr>
+          <p:cNvPr id="4" name="Imagem 3"/>
+          <p:cNvPicPr>
+            <a:picLocks noChangeAspect="1"/>
+          </p:cNvPicPr>
+          <p:nvPr/>
+        </p:nvPicPr>
+        <p:blipFill>
+          <a:blip r:embed="rId2">
+            <a:extLst>
+              <a:ext uri="{28A0092B-C50C-407E-A947-70E740481C1C}">
+                <a14:useLocalDpi xmlns:a14="http://schemas.microsoft.com/office/drawing/2010/main" val="0"/>
+              </a:ext>
+            </a:extLst>
+          </a:blip>
+          <a:stretch>
+            <a:fillRect/>
+          </a:stretch>
+        </p:blipFill>
+        <p:spPr>
+          <a:xfrm>
+            <a:off x="10463513" y="34725"/>
+            <a:ext cx="1693762" cy="1680529"/>
+          </a:xfrm>
+          <a:prstGeom prst="rect">
+            <a:avLst/>
+          </a:prstGeom>
+        </p:spPr>
+      </p:pic>
     </p:spTree>
     <p:extLst>
       <p:ext uri="{BB962C8B-B14F-4D97-AF65-F5344CB8AC3E}">
@@ -3920,6 +4103,13 @@
   <p:clrMapOvr>
     <a:masterClrMapping/>
   </p:clrMapOvr>
+  <p:timing>
+    <p:tnLst>
+      <p:par>
+        <p:cTn id="1" dur="indefinite" restart="never" nodeType="tmRoot"/>
+      </p:par>
+    </p:tnLst>
+  </p:timing>
 </p:sld>
 </file>
 
@@ -3952,8 +4142,8 @@
         </p:nvSpPr>
         <p:spPr>
           <a:xfrm>
-            <a:off x="3991063" y="2403987"/>
-            <a:ext cx="3969965" cy="1450757"/>
+            <a:off x="0" y="1"/>
+            <a:ext cx="12191999" cy="6319776"/>
           </a:xfrm>
         </p:spPr>
         <p:txBody>
@@ -4015,6 +4205,36 @@
           </a:p>
         </p:txBody>
       </p:sp>
+      <p:pic>
+        <p:nvPicPr>
+          <p:cNvPr id="3" name="Imagem 2"/>
+          <p:cNvPicPr>
+            <a:picLocks noChangeAspect="1"/>
+          </p:cNvPicPr>
+          <p:nvPr/>
+        </p:nvPicPr>
+        <p:blipFill>
+          <a:blip r:embed="rId2">
+            <a:extLst>
+              <a:ext uri="{28A0092B-C50C-407E-A947-70E740481C1C}">
+                <a14:useLocalDpi xmlns:a14="http://schemas.microsoft.com/office/drawing/2010/main" val="0"/>
+              </a:ext>
+            </a:extLst>
+          </a:blip>
+          <a:stretch>
+            <a:fillRect/>
+          </a:stretch>
+        </p:blipFill>
+        <p:spPr>
+          <a:xfrm>
+            <a:off x="10463513" y="34725"/>
+            <a:ext cx="1693762" cy="1680529"/>
+          </a:xfrm>
+          <a:prstGeom prst="rect">
+            <a:avLst/>
+          </a:prstGeom>
+        </p:spPr>
+      </p:pic>
     </p:spTree>
     <p:extLst>
       <p:ext uri="{BB962C8B-B14F-4D97-AF65-F5344CB8AC3E}">
@@ -4025,6 +4245,13 @@
   <p:clrMapOvr>
     <a:masterClrMapping/>
   </p:clrMapOvr>
+  <p:timing>
+    <p:tnLst>
+      <p:par>
+        <p:cTn id="1" dur="indefinite" restart="never" nodeType="tmRoot"/>
+      </p:par>
+    </p:tnLst>
+  </p:timing>
 </p:sld>
 </file>
 
@@ -4078,6 +4305,13 @@
   <p:clrMapOvr>
     <a:masterClrMapping/>
   </p:clrMapOvr>
+  <p:timing>
+    <p:tnLst>
+      <p:par>
+        <p:cTn id="1" dur="indefinite" restart="never" nodeType="tmRoot"/>
+      </p:par>
+    </p:tnLst>
+  </p:timing>
 </p:sld>
 </file>
 
@@ -4100,45 +4334,132 @@
       </p:grpSpPr>
       <p:sp>
         <p:nvSpPr>
-          <p:cNvPr id="2" name="Título 1"/>
-          <p:cNvSpPr>
-            <a:spLocks noGrp="1"/>
-          </p:cNvSpPr>
-          <p:nvPr>
-            <p:ph type="title"/>
-          </p:nvPr>
-        </p:nvSpPr>
-        <p:spPr/>
-        <p:txBody>
-          <a:bodyPr/>
-          <a:lstStyle/>
-          <a:p>
-            <a:r>
-              <a:rPr lang="pt-BR" dirty="0"/>
+          <p:cNvPr id="4" name="Retângulo 3"/>
+          <p:cNvSpPr/>
+          <p:nvPr/>
+        </p:nvSpPr>
+        <p:spPr>
+          <a:xfrm>
+            <a:off x="589935" y="1297858"/>
+            <a:ext cx="10772222" cy="1106129"/>
+          </a:xfrm>
+          <a:prstGeom prst="rect">
+            <a:avLst/>
+          </a:prstGeom>
+          <a:solidFill>
+            <a:schemeClr val="bg1"/>
+          </a:solidFill>
+          <a:ln>
+            <a:noFill/>
+          </a:ln>
+        </p:spPr>
+        <p:style>
+          <a:lnRef idx="2">
+            <a:schemeClr val="accent1">
+              <a:shade val="50000"/>
+            </a:schemeClr>
+          </a:lnRef>
+          <a:fillRef idx="1">
+            <a:schemeClr val="accent1"/>
+          </a:fillRef>
+          <a:effectRef idx="0">
+            <a:schemeClr val="accent1"/>
+          </a:effectRef>
+          <a:fontRef idx="minor">
+            <a:schemeClr val="lt1"/>
+          </a:fontRef>
+        </p:style>
+        <p:txBody>
+          <a:bodyPr rtlCol="0" anchor="ctr"/>
+          <a:lstStyle/>
+          <a:p>
+            <a:pPr algn="ctr"/>
+            <a:endParaRPr lang="pt-BR"/>
+          </a:p>
+        </p:txBody>
+      </p:sp>
+      <p:sp>
+        <p:nvSpPr>
+          <p:cNvPr id="5" name="Título 1"/>
+          <p:cNvSpPr txBox="1">
+            <a:spLocks/>
+          </p:cNvSpPr>
+          <p:nvPr/>
+        </p:nvSpPr>
+        <p:spPr>
+          <a:xfrm>
+            <a:off x="0" y="1"/>
+            <a:ext cx="12192000" cy="6308202"/>
+          </a:xfrm>
+          <a:prstGeom prst="rect">
+            <a:avLst/>
+          </a:prstGeom>
+        </p:spPr>
+        <p:txBody>
+          <a:bodyPr vert="horz" lIns="91440" tIns="45720" rIns="91440" bIns="45720" rtlCol="0" anchor="b">
+            <a:normAutofit/>
+          </a:bodyPr>
+          <a:lstStyle>
+            <a:lvl1pPr algn="l" defTabSz="914400" rtl="0" eaLnBrk="1" latinLnBrk="0" hangingPunct="1">
+              <a:lnSpc>
+                <a:spcPct val="85000"/>
+              </a:lnSpc>
+              <a:spcBef>
+                <a:spcPct val="0"/>
+              </a:spcBef>
+              <a:buNone/>
+              <a:defRPr sz="4800" kern="1200" spc="-50" baseline="0">
+                <a:solidFill>
+                  <a:schemeClr val="tx1">
+                    <a:lumMod val="75000"/>
+                    <a:lumOff val="25000"/>
+                  </a:schemeClr>
+                </a:solidFill>
+                <a:latin typeface="+mj-lt"/>
+                <a:ea typeface="+mj-ea"/>
+                <a:cs typeface="+mj-cs"/>
+              </a:defRPr>
+            </a:lvl1pPr>
+          </a:lstStyle>
+          <a:p>
+            <a:r>
+              <a:rPr lang="pt-BR" sz="6600" b="1" dirty="0" smtClean="0"/>
               <a:t>Diagrama de Classes</a:t>
             </a:r>
-          </a:p>
-        </p:txBody>
-      </p:sp>
-      <p:sp>
-        <p:nvSpPr>
-          <p:cNvPr id="3" name="Espaço Reservado para Conteúdo 2"/>
-          <p:cNvSpPr>
-            <a:spLocks noGrp="1"/>
-          </p:cNvSpPr>
-          <p:nvPr>
-            <p:ph idx="1"/>
-          </p:nvPr>
-        </p:nvSpPr>
-        <p:spPr/>
-        <p:txBody>
-          <a:bodyPr/>
-          <a:lstStyle/>
-          <a:p>
-            <a:endParaRPr lang="pt-BR"/>
-          </a:p>
-        </p:txBody>
-      </p:sp>
+            <a:endParaRPr lang="pt-BR" sz="6600" b="1" dirty="0"/>
+          </a:p>
+        </p:txBody>
+      </p:sp>
+      <p:pic>
+        <p:nvPicPr>
+          <p:cNvPr id="7" name="Imagem 6"/>
+          <p:cNvPicPr>
+            <a:picLocks noChangeAspect="1"/>
+          </p:cNvPicPr>
+          <p:nvPr/>
+        </p:nvPicPr>
+        <p:blipFill>
+          <a:blip r:embed="rId2">
+            <a:extLst>
+              <a:ext uri="{28A0092B-C50C-407E-A947-70E740481C1C}">
+                <a14:useLocalDpi xmlns:a14="http://schemas.microsoft.com/office/drawing/2010/main" val="0"/>
+              </a:ext>
+            </a:extLst>
+          </a:blip>
+          <a:stretch>
+            <a:fillRect/>
+          </a:stretch>
+        </p:blipFill>
+        <p:spPr>
+          <a:xfrm>
+            <a:off x="10463513" y="34725"/>
+            <a:ext cx="1693762" cy="1680529"/>
+          </a:xfrm>
+          <a:prstGeom prst="rect">
+            <a:avLst/>
+          </a:prstGeom>
+        </p:spPr>
+      </p:pic>
     </p:spTree>
     <p:extLst>
       <p:ext uri="{BB962C8B-B14F-4D97-AF65-F5344CB8AC3E}">
@@ -4149,6 +4470,13 @@
   <p:clrMapOvr>
     <a:masterClrMapping/>
   </p:clrMapOvr>
+  <p:timing>
+    <p:tnLst>
+      <p:par>
+        <p:cTn id="1" dur="indefinite" restart="never" nodeType="tmRoot"/>
+      </p:par>
+    </p:tnLst>
+  </p:timing>
 </p:sld>
 </file>
 
@@ -4169,6 +4497,52 @@
           <a:chExt cx="0" cy="0"/>
         </a:xfrm>
       </p:grpSpPr>
+      <p:sp>
+        <p:nvSpPr>
+          <p:cNvPr id="3" name="Retângulo 2"/>
+          <p:cNvSpPr/>
+          <p:nvPr/>
+        </p:nvSpPr>
+        <p:spPr>
+          <a:xfrm>
+            <a:off x="589935" y="1297858"/>
+            <a:ext cx="10772222" cy="1106129"/>
+          </a:xfrm>
+          <a:prstGeom prst="rect">
+            <a:avLst/>
+          </a:prstGeom>
+          <a:solidFill>
+            <a:schemeClr val="bg1"/>
+          </a:solidFill>
+          <a:ln>
+            <a:noFill/>
+          </a:ln>
+        </p:spPr>
+        <p:style>
+          <a:lnRef idx="2">
+            <a:schemeClr val="accent1">
+              <a:shade val="50000"/>
+            </a:schemeClr>
+          </a:lnRef>
+          <a:fillRef idx="1">
+            <a:schemeClr val="accent1"/>
+          </a:fillRef>
+          <a:effectRef idx="0">
+            <a:schemeClr val="accent1"/>
+          </a:effectRef>
+          <a:fontRef idx="minor">
+            <a:schemeClr val="lt1"/>
+          </a:fontRef>
+        </p:style>
+        <p:txBody>
+          <a:bodyPr rtlCol="0" anchor="ctr"/>
+          <a:lstStyle/>
+          <a:p>
+            <a:pPr algn="ctr"/>
+            <a:endParaRPr lang="pt-BR"/>
+          </a:p>
+        </p:txBody>
+      </p:sp>
       <p:pic>
         <p:nvPicPr>
           <p:cNvPr id="5" name="Espaço Reservado para Conteúdo 4"/>
@@ -4187,8 +4561,8 @@
         </p:blipFill>
         <p:spPr>
           <a:xfrm>
-            <a:off x="1843549" y="0"/>
-            <a:ext cx="8252806" cy="6257352"/>
+            <a:off x="1843549" y="-1"/>
+            <a:ext cx="8365322" cy="6342663"/>
           </a:xfrm>
         </p:spPr>
       </p:pic>
@@ -4202,6 +4576,455 @@
   <p:clrMapOvr>
     <a:masterClrMapping/>
   </p:clrMapOvr>
+  <p:timing>
+    <p:tnLst>
+      <p:par>
+        <p:cTn id="1" dur="indefinite" restart="never" nodeType="tmRoot"/>
+      </p:par>
+    </p:tnLst>
+  </p:timing>
+</p:sld>
+</file>
+
+<file path=ppt/slides/slide7.xml><?xml version="1.0" encoding="utf-8"?>
+<p:sld xmlns:a="http://schemas.openxmlformats.org/drawingml/2006/main" xmlns:r="http://schemas.openxmlformats.org/officeDocument/2006/relationships" xmlns:p="http://schemas.openxmlformats.org/presentationml/2006/main">
+  <p:cSld>
+    <p:spTree>
+      <p:nvGrpSpPr>
+        <p:cNvPr id="1" name=""/>
+        <p:cNvGrpSpPr/>
+        <p:nvPr/>
+      </p:nvGrpSpPr>
+      <p:grpSpPr>
+        <a:xfrm>
+          <a:off x="0" y="0"/>
+          <a:ext cx="0" cy="0"/>
+          <a:chOff x="0" y="0"/>
+          <a:chExt cx="0" cy="0"/>
+        </a:xfrm>
+      </p:grpSpPr>
+      <p:sp>
+        <p:nvSpPr>
+          <p:cNvPr id="4" name="Retângulo 3"/>
+          <p:cNvSpPr/>
+          <p:nvPr/>
+        </p:nvSpPr>
+        <p:spPr>
+          <a:xfrm>
+            <a:off x="589935" y="1297858"/>
+            <a:ext cx="10772222" cy="1106129"/>
+          </a:xfrm>
+          <a:prstGeom prst="rect">
+            <a:avLst/>
+          </a:prstGeom>
+          <a:solidFill>
+            <a:schemeClr val="bg1"/>
+          </a:solidFill>
+          <a:ln>
+            <a:noFill/>
+          </a:ln>
+        </p:spPr>
+        <p:style>
+          <a:lnRef idx="2">
+            <a:schemeClr val="accent1">
+              <a:shade val="50000"/>
+            </a:schemeClr>
+          </a:lnRef>
+          <a:fillRef idx="1">
+            <a:schemeClr val="accent1"/>
+          </a:fillRef>
+          <a:effectRef idx="0">
+            <a:schemeClr val="accent1"/>
+          </a:effectRef>
+          <a:fontRef idx="minor">
+            <a:schemeClr val="lt1"/>
+          </a:fontRef>
+        </p:style>
+        <p:txBody>
+          <a:bodyPr rtlCol="0" anchor="ctr"/>
+          <a:lstStyle/>
+          <a:p>
+            <a:pPr algn="ctr"/>
+            <a:endParaRPr lang="pt-BR"/>
+          </a:p>
+        </p:txBody>
+      </p:sp>
+      <p:sp>
+        <p:nvSpPr>
+          <p:cNvPr id="5" name="Título 1"/>
+          <p:cNvSpPr txBox="1">
+            <a:spLocks/>
+          </p:cNvSpPr>
+          <p:nvPr/>
+        </p:nvSpPr>
+        <p:spPr>
+          <a:xfrm>
+            <a:off x="0" y="1"/>
+            <a:ext cx="12192000" cy="6308202"/>
+          </a:xfrm>
+          <a:prstGeom prst="rect">
+            <a:avLst/>
+          </a:prstGeom>
+        </p:spPr>
+        <p:txBody>
+          <a:bodyPr vert="horz" lIns="91440" tIns="45720" rIns="91440" bIns="45720" rtlCol="0" anchor="b">
+            <a:normAutofit/>
+          </a:bodyPr>
+          <a:lstStyle>
+            <a:lvl1pPr algn="l" defTabSz="914400" rtl="0" eaLnBrk="1" latinLnBrk="0" hangingPunct="1">
+              <a:lnSpc>
+                <a:spcPct val="85000"/>
+              </a:lnSpc>
+              <a:spcBef>
+                <a:spcPct val="0"/>
+              </a:spcBef>
+              <a:buNone/>
+              <a:defRPr sz="4800" kern="1200" spc="-50" baseline="0">
+                <a:solidFill>
+                  <a:schemeClr val="tx1">
+                    <a:lumMod val="75000"/>
+                    <a:lumOff val="25000"/>
+                  </a:schemeClr>
+                </a:solidFill>
+                <a:latin typeface="+mj-lt"/>
+                <a:ea typeface="+mj-ea"/>
+                <a:cs typeface="+mj-cs"/>
+              </a:defRPr>
+            </a:lvl1pPr>
+          </a:lstStyle>
+          <a:p>
+            <a:r>
+              <a:rPr lang="pt-BR" sz="6600" b="1" dirty="0" smtClean="0"/>
+              <a:t>Estrutura Analítica de Projetos(EAP)</a:t>
+            </a:r>
+            <a:endParaRPr lang="pt-BR" sz="6600" b="1" dirty="0"/>
+          </a:p>
+        </p:txBody>
+      </p:sp>
+      <p:pic>
+        <p:nvPicPr>
+          <p:cNvPr id="7" name="Imagem 6"/>
+          <p:cNvPicPr>
+            <a:picLocks noChangeAspect="1"/>
+          </p:cNvPicPr>
+          <p:nvPr/>
+        </p:nvPicPr>
+        <p:blipFill>
+          <a:blip r:embed="rId2">
+            <a:extLst>
+              <a:ext uri="{28A0092B-C50C-407E-A947-70E740481C1C}">
+                <a14:useLocalDpi xmlns:a14="http://schemas.microsoft.com/office/drawing/2010/main" val="0"/>
+              </a:ext>
+            </a:extLst>
+          </a:blip>
+          <a:stretch>
+            <a:fillRect/>
+          </a:stretch>
+        </p:blipFill>
+        <p:spPr>
+          <a:xfrm>
+            <a:off x="10463513" y="34725"/>
+            <a:ext cx="1693762" cy="1680529"/>
+          </a:xfrm>
+          <a:prstGeom prst="rect">
+            <a:avLst/>
+          </a:prstGeom>
+        </p:spPr>
+      </p:pic>
+    </p:spTree>
+    <p:extLst>
+      <p:ext uri="{BB962C8B-B14F-4D97-AF65-F5344CB8AC3E}">
+        <p14:creationId xmlns:p14="http://schemas.microsoft.com/office/powerpoint/2010/main" val="1588750360"/>
+      </p:ext>
+    </p:extLst>
+  </p:cSld>
+  <p:clrMapOvr>
+    <a:masterClrMapping/>
+  </p:clrMapOvr>
+  <p:timing>
+    <p:tnLst>
+      <p:par>
+        <p:cTn id="1" dur="indefinite" restart="never" nodeType="tmRoot"/>
+      </p:par>
+    </p:tnLst>
+  </p:timing>
+</p:sld>
+</file>
+
+<file path=ppt/slides/slide8.xml><?xml version="1.0" encoding="utf-8"?>
+<p:sld xmlns:a="http://schemas.openxmlformats.org/drawingml/2006/main" xmlns:r="http://schemas.openxmlformats.org/officeDocument/2006/relationships" xmlns:p="http://schemas.openxmlformats.org/presentationml/2006/main">
+  <p:cSld>
+    <p:spTree>
+      <p:nvGrpSpPr>
+        <p:cNvPr id="1" name=""/>
+        <p:cNvGrpSpPr/>
+        <p:nvPr/>
+      </p:nvGrpSpPr>
+      <p:grpSpPr>
+        <a:xfrm>
+          <a:off x="0" y="0"/>
+          <a:ext cx="0" cy="0"/>
+          <a:chOff x="0" y="0"/>
+          <a:chExt cx="0" cy="0"/>
+        </a:xfrm>
+      </p:grpSpPr>
+      <p:sp>
+        <p:nvSpPr>
+          <p:cNvPr id="4" name="Retângulo 3"/>
+          <p:cNvSpPr/>
+          <p:nvPr/>
+        </p:nvSpPr>
+        <p:spPr>
+          <a:xfrm>
+            <a:off x="589935" y="1297858"/>
+            <a:ext cx="10772222" cy="1106129"/>
+          </a:xfrm>
+          <a:prstGeom prst="rect">
+            <a:avLst/>
+          </a:prstGeom>
+          <a:solidFill>
+            <a:schemeClr val="bg1"/>
+          </a:solidFill>
+          <a:ln>
+            <a:noFill/>
+          </a:ln>
+        </p:spPr>
+        <p:style>
+          <a:lnRef idx="2">
+            <a:schemeClr val="accent1">
+              <a:shade val="50000"/>
+            </a:schemeClr>
+          </a:lnRef>
+          <a:fillRef idx="1">
+            <a:schemeClr val="accent1"/>
+          </a:fillRef>
+          <a:effectRef idx="0">
+            <a:schemeClr val="accent1"/>
+          </a:effectRef>
+          <a:fontRef idx="minor">
+            <a:schemeClr val="lt1"/>
+          </a:fontRef>
+        </p:style>
+        <p:txBody>
+          <a:bodyPr rtlCol="0" anchor="ctr"/>
+          <a:lstStyle/>
+          <a:p>
+            <a:pPr algn="ctr"/>
+            <a:endParaRPr lang="pt-BR"/>
+          </a:p>
+        </p:txBody>
+      </p:sp>
+      <p:pic>
+        <p:nvPicPr>
+          <p:cNvPr id="5" name="Espaço Reservado para Conteúdo 4"/>
+          <p:cNvPicPr>
+            <a:picLocks noGrp="1" noChangeAspect="1"/>
+          </p:cNvPicPr>
+          <p:nvPr>
+            <p:ph idx="1"/>
+          </p:nvPr>
+        </p:nvPicPr>
+        <p:blipFill>
+          <a:blip r:embed="rId2">
+            <a:extLst>
+              <a:ext uri="{28A0092B-C50C-407E-A947-70E740481C1C}">
+                <a14:useLocalDpi xmlns:a14="http://schemas.microsoft.com/office/drawing/2010/main" val="0"/>
+              </a:ext>
+            </a:extLst>
+          </a:blip>
+          <a:stretch>
+            <a:fillRect/>
+          </a:stretch>
+        </p:blipFill>
+        <p:spPr>
+          <a:xfrm>
+            <a:off x="1990846" y="-6587"/>
+            <a:ext cx="7738181" cy="7032419"/>
+          </a:xfrm>
+        </p:spPr>
+      </p:pic>
+    </p:spTree>
+    <p:extLst>
+      <p:ext uri="{BB962C8B-B14F-4D97-AF65-F5344CB8AC3E}">
+        <p14:creationId xmlns:p14="http://schemas.microsoft.com/office/powerpoint/2010/main" val="2324248625"/>
+      </p:ext>
+    </p:extLst>
+  </p:cSld>
+  <p:clrMapOvr>
+    <a:masterClrMapping/>
+  </p:clrMapOvr>
+  <p:timing>
+    <p:tnLst>
+      <p:par>
+        <p:cTn id="1" dur="indefinite" restart="never" nodeType="tmRoot"/>
+      </p:par>
+    </p:tnLst>
+  </p:timing>
+</p:sld>
+</file>
+
+<file path=ppt/slides/slide9.xml><?xml version="1.0" encoding="utf-8"?>
+<p:sld xmlns:a="http://schemas.openxmlformats.org/drawingml/2006/main" xmlns:r="http://schemas.openxmlformats.org/officeDocument/2006/relationships" xmlns:p="http://schemas.openxmlformats.org/presentationml/2006/main">
+  <p:cSld>
+    <p:spTree>
+      <p:nvGrpSpPr>
+        <p:cNvPr id="1" name=""/>
+        <p:cNvGrpSpPr/>
+        <p:nvPr/>
+      </p:nvGrpSpPr>
+      <p:grpSpPr>
+        <a:xfrm>
+          <a:off x="0" y="0"/>
+          <a:ext cx="0" cy="0"/>
+          <a:chOff x="0" y="0"/>
+          <a:chExt cx="0" cy="0"/>
+        </a:xfrm>
+      </p:grpSpPr>
+      <p:sp>
+        <p:nvSpPr>
+          <p:cNvPr id="4" name="Retângulo 3"/>
+          <p:cNvSpPr/>
+          <p:nvPr/>
+        </p:nvSpPr>
+        <p:spPr>
+          <a:xfrm>
+            <a:off x="589935" y="1297858"/>
+            <a:ext cx="10772222" cy="1106129"/>
+          </a:xfrm>
+          <a:prstGeom prst="rect">
+            <a:avLst/>
+          </a:prstGeom>
+          <a:solidFill>
+            <a:schemeClr val="bg1"/>
+          </a:solidFill>
+          <a:ln>
+            <a:noFill/>
+          </a:ln>
+        </p:spPr>
+        <p:style>
+          <a:lnRef idx="2">
+            <a:schemeClr val="accent1">
+              <a:shade val="50000"/>
+            </a:schemeClr>
+          </a:lnRef>
+          <a:fillRef idx="1">
+            <a:schemeClr val="accent1"/>
+          </a:fillRef>
+          <a:effectRef idx="0">
+            <a:schemeClr val="accent1"/>
+          </a:effectRef>
+          <a:fontRef idx="minor">
+            <a:schemeClr val="lt1"/>
+          </a:fontRef>
+        </p:style>
+        <p:txBody>
+          <a:bodyPr rtlCol="0" anchor="ctr"/>
+          <a:lstStyle/>
+          <a:p>
+            <a:pPr algn="ctr"/>
+            <a:endParaRPr lang="pt-BR"/>
+          </a:p>
+        </p:txBody>
+      </p:sp>
+      <p:sp>
+        <p:nvSpPr>
+          <p:cNvPr id="5" name="Título 1"/>
+          <p:cNvSpPr txBox="1">
+            <a:spLocks/>
+          </p:cNvSpPr>
+          <p:nvPr/>
+        </p:nvSpPr>
+        <p:spPr>
+          <a:xfrm>
+            <a:off x="0" y="1"/>
+            <a:ext cx="12192000" cy="6308202"/>
+          </a:xfrm>
+          <a:prstGeom prst="rect">
+            <a:avLst/>
+          </a:prstGeom>
+        </p:spPr>
+        <p:txBody>
+          <a:bodyPr vert="horz" lIns="91440" tIns="45720" rIns="91440" bIns="45720" rtlCol="0" anchor="b">
+            <a:normAutofit/>
+          </a:bodyPr>
+          <a:lstStyle>
+            <a:lvl1pPr algn="l" defTabSz="914400" rtl="0" eaLnBrk="1" latinLnBrk="0" hangingPunct="1">
+              <a:lnSpc>
+                <a:spcPct val="85000"/>
+              </a:lnSpc>
+              <a:spcBef>
+                <a:spcPct val="0"/>
+              </a:spcBef>
+              <a:buNone/>
+              <a:defRPr sz="4800" kern="1200" spc="-50" baseline="0">
+                <a:solidFill>
+                  <a:schemeClr val="tx1">
+                    <a:lumMod val="75000"/>
+                    <a:lumOff val="25000"/>
+                  </a:schemeClr>
+                </a:solidFill>
+                <a:latin typeface="+mj-lt"/>
+                <a:ea typeface="+mj-ea"/>
+                <a:cs typeface="+mj-cs"/>
+              </a:defRPr>
+            </a:lvl1pPr>
+          </a:lstStyle>
+          <a:p>
+            <a:r>
+              <a:rPr lang="pt-BR" sz="6600" b="1" dirty="0" smtClean="0"/>
+              <a:t>Cronograma</a:t>
+            </a:r>
+            <a:endParaRPr lang="pt-BR" sz="6600" b="1" dirty="0"/>
+          </a:p>
+        </p:txBody>
+      </p:sp>
+      <p:pic>
+        <p:nvPicPr>
+          <p:cNvPr id="7" name="Imagem 6"/>
+          <p:cNvPicPr>
+            <a:picLocks noChangeAspect="1"/>
+          </p:cNvPicPr>
+          <p:nvPr/>
+        </p:nvPicPr>
+        <p:blipFill>
+          <a:blip r:embed="rId2">
+            <a:extLst>
+              <a:ext uri="{28A0092B-C50C-407E-A947-70E740481C1C}">
+                <a14:useLocalDpi xmlns:a14="http://schemas.microsoft.com/office/drawing/2010/main" val="0"/>
+              </a:ext>
+            </a:extLst>
+          </a:blip>
+          <a:stretch>
+            <a:fillRect/>
+          </a:stretch>
+        </p:blipFill>
+        <p:spPr>
+          <a:xfrm>
+            <a:off x="10463513" y="34725"/>
+            <a:ext cx="1693762" cy="1680529"/>
+          </a:xfrm>
+          <a:prstGeom prst="rect">
+            <a:avLst/>
+          </a:prstGeom>
+        </p:spPr>
+      </p:pic>
+    </p:spTree>
+    <p:extLst>
+      <p:ext uri="{BB962C8B-B14F-4D97-AF65-F5344CB8AC3E}">
+        <p14:creationId xmlns:p14="http://schemas.microsoft.com/office/powerpoint/2010/main" val="3737127722"/>
+      </p:ext>
+    </p:extLst>
+  </p:cSld>
+  <p:clrMapOvr>
+    <a:masterClrMapping/>
+  </p:clrMapOvr>
+  <p:timing>
+    <p:tnLst>
+      <p:par>
+        <p:cTn id="1" dur="indefinite" restart="never" nodeType="tmRoot"/>
+      </p:par>
+    </p:tnLst>
+  </p:timing>
 </p:sld>
 </file>
 
@@ -4482,7 +5305,7 @@
   <a:extraClrSchemeLst/>
   <a:extLst>
     <a:ext uri="{05A4C25C-085E-4340-85A3-A5531E510DB2}">
-      <thm15:themeFamily xmlns:thm15="http://schemas.microsoft.com/office/thememl/2012/main" name="Retrospect" id="{5F128B03-DCCA-4EEB-AB3B-CF2899314A46}" vid="{9CC26709-368C-4D72-9060-94E5B3FF3CD6}"/>
+      <thm15:themeFamily xmlns:thm15="http://schemas.microsoft.com/office/thememl/2012/main" xmlns="" name="Retrospect" id="{5F128B03-DCCA-4EEB-AB3B-CF2899314A46}" vid="{9CC26709-368C-4D72-9060-94E5B3FF3CD6}"/>
     </a:ext>
   </a:extLst>
 </a:theme>
